--- a/About RevyOS/社区经理.pptx
+++ b/About RevyOS/社区经理.pptx
@@ -3179,7 +3179,7 @@
                 <a:cs typeface="+mn-ea"/>
                 <a:sym typeface="+mn-ea"/>
               </a:rPr>
-              <a:t>、更加完善的文档，让用户了解并使用</a:t>
+              <a:t>、更加完善的内容，视频拍摄</a:t>
             </a:r>
             <a:endParaRPr lang="zh-CN" altLang="en-US" sz="2800">
               <a:latin typeface="+mn-ea"/>
